--- a/HOL-INFL10.pptx
+++ b/HOL-INFL10.pptx
@@ -106,6 +106,11 @@
       </a:defRPr>
     </a:lvl9pPr>
   </p:defaultTextStyle>
+  <p:extLst>
+    <p:ext uri="{EFAFB233-063F-42B5-8137-9DF3F51BA10A}">
+      <p15:sldGuideLst xmlns:p15="http://schemas.microsoft.com/office/powerpoint/2012/main"/>
+    </p:ext>
+  </p:extLst>
 </p:presentation>
 </file>
 
@@ -3132,17 +3137,24 @@
         <p:spPr/>
         <p:txBody>
           <a:bodyPr>
-            <a:normAutofit/>
+            <a:normAutofit fontScale="90000"/>
           </a:bodyPr>
           <a:lstStyle/>
           <a:p>
+            <a:pPr algn="l"/>
             <a:r>
               <a:rPr kumimoji="1" lang="en-US" altLang="zh-TW" sz="4800" dirty="0">
-                <a:latin typeface="Heiti SC Medium" pitchFamily="2" charset="-128"/>
-                <a:ea typeface="Heiti SC Medium" pitchFamily="2" charset="-128"/>
+                <a:latin typeface="Noto Sans CJK SC" panose="020B0500000000000000" pitchFamily="34" charset="-128"/>
+                <a:ea typeface="Noto Sans CJK SC" panose="020B0500000000000000" pitchFamily="34" charset="-128"/>
               </a:rPr>
-              <a:t>HOL-INFL10</a:t>
-            </a:r>
+              <a:t>Tech Summit 2018 </a:t>
+            </a:r>
+            <a:br>
+              <a:rPr kumimoji="1" lang="en-US" altLang="zh-TW" sz="4800" dirty="0">
+                <a:latin typeface="Noto Sans CJK SC" panose="020B0500000000000000" pitchFamily="34" charset="-128"/>
+                <a:ea typeface="Noto Sans CJK SC" panose="020B0500000000000000" pitchFamily="34" charset="-128"/>
+              </a:rPr>
+            </a:br>
             <a:br>
               <a:rPr kumimoji="1" lang="en-US" altLang="zh-TW" sz="4800" dirty="0">
                 <a:latin typeface="Heiti SC Medium" pitchFamily="2" charset="-128"/>
@@ -3156,6 +3168,31 @@
               </a:rPr>
               <a:t>以对话机器人解决商务应用难题</a:t>
             </a:r>
+            <a:r>
+              <a:rPr kumimoji="1" lang="en-US" altLang="zh-TW" sz="4800" dirty="0">
+                <a:latin typeface="Heiti SC Medium" pitchFamily="2" charset="-128"/>
+                <a:ea typeface="Heiti SC Medium" pitchFamily="2" charset="-128"/>
+              </a:rPr>
+              <a:t> (</a:t>
+            </a:r>
+            <a:r>
+              <a:rPr kumimoji="1" lang="en-US" altLang="zh-TW" sz="4800" dirty="0">
+                <a:latin typeface="Noto Sans CJK SC" panose="020B0500000000000000" pitchFamily="34" charset="-128"/>
+                <a:ea typeface="Noto Sans CJK SC" panose="020B0500000000000000" pitchFamily="34" charset="-128"/>
+              </a:rPr>
+              <a:t>HOL-INFL10</a:t>
+            </a:r>
+            <a:r>
+              <a:rPr kumimoji="1" lang="en-US" altLang="zh-TW" sz="4800" dirty="0">
+                <a:latin typeface="Heiti SC Medium" pitchFamily="2" charset="-128"/>
+                <a:ea typeface="Heiti SC Medium" pitchFamily="2" charset="-128"/>
+              </a:rPr>
+              <a:t>)</a:t>
+            </a:r>
+            <a:endParaRPr kumimoji="1" lang="zh-TW" altLang="en-US" sz="4800" dirty="0">
+              <a:latin typeface="Heiti SC Medium" pitchFamily="2" charset="-128"/>
+              <a:ea typeface="Heiti SC Medium" pitchFamily="2" charset="-128"/>
+            </a:endParaRPr>
           </a:p>
         </p:txBody>
       </p:sp>
@@ -3175,11 +3212,17 @@
             <p:ph type="subTitle" idx="1"/>
           </p:nvPr>
         </p:nvSpPr>
-        <p:spPr/>
-        <p:txBody>
-          <a:bodyPr/>
-          <a:lstStyle/>
-          <a:p>
+        <p:spPr>
+          <a:xfrm>
+            <a:off x="1524000" y="4132390"/>
+            <a:ext cx="9144000" cy="1655762"/>
+          </a:xfrm>
+        </p:spPr>
+        <p:txBody>
+          <a:bodyPr/>
+          <a:lstStyle/>
+          <a:p>
+            <a:pPr algn="l"/>
             <a:r>
               <a:rPr kumimoji="1" lang="en-US" altLang="zh-TW" dirty="0" err="1"/>
               <a:t>CloudRiches</a:t>
@@ -3190,6 +3233,7 @@
             </a:r>
           </a:p>
           <a:p>
+            <a:pPr algn="l"/>
             <a:r>
               <a:rPr kumimoji="1" lang="en-US" altLang="zh-TW" dirty="0"/>
               <a:t>Dino Wang</a:t>
@@ -3425,7 +3469,7 @@
           <a:p>
             <a:r>
               <a:rPr kumimoji="1" lang="en-US" altLang="zh-TW" dirty="0"/>
-              <a:t>Step by Step - GitHub</a:t>
+              <a:t>Step by step - GitHub</a:t>
             </a:r>
             <a:endParaRPr kumimoji="1" lang="zh-TW" altLang="en-US" dirty="0"/>
           </a:p>
